--- a/Slides/Week 2/Week 2 - Part 1.pptx
+++ b/Slides/Week 2/Week 2 - Part 1.pptx
@@ -323,7 +323,7 @@
           <a:p>
             <a:fld id="{DE219B1A-AE41-483B-A766-69B9363DDA6A}" type="datetimeFigureOut">
               <a:rPr lang="en-US" smtClean="0"/>
-              <a:t>1/14/2015</a:t>
+              <a:t>1/15/2015</a:t>
             </a:fld>
             <a:endParaRPr lang="en-US"/>
           </a:p>
@@ -605,7 +605,7 @@
           <a:p>
             <a:fld id="{D51B1278-D92B-4AF3-A9C1-71DD298190CE}" type="datetimeFigureOut">
               <a:rPr lang="en-US" smtClean="0"/>
-              <a:t>1/14/2015</a:t>
+              <a:t>1/15/2015</a:t>
             </a:fld>
             <a:endParaRPr lang="en-US"/>
           </a:p>
@@ -1072,18 +1072,6 @@
           <a:bodyPr/>
           <a:lstStyle/>
           <a:p>
-            <a:r>
-              <a:rPr lang="en-US" dirty="0" smtClean="0"/>
-              <a:t>In this</a:t>
-            </a:r>
-            <a:r>
-              <a:rPr lang="en-US" baseline="0" dirty="0" smtClean="0"/>
-              <a:t> snippet from Module 3653-4, notice the </a:t>
-            </a:r>
-            <a:r>
-              <a:rPr lang="en-US" dirty="0" smtClean="0"/>
-              <a:t>Client ID and Client Secret are used to create a credential object.</a:t>
-            </a:r>
             <a:endParaRPr lang="en-US" dirty="0"/>
           </a:p>
         </p:txBody>
@@ -1105,7 +1093,7 @@
           <a:p>
             <a:fld id="{9B6FC0A4-BFAA-4D5E-985B-0D17E8A86BD3}" type="datetime1">
               <a:rPr lang="en-US" smtClean="0"/>
-              <a:t>1/14/2015</a:t>
+              <a:t>1/15/2015</a:t>
             </a:fld>
             <a:endParaRPr lang="en-US"/>
           </a:p>
@@ -1290,14 +1278,6 @@
           <a:bodyPr/>
           <a:lstStyle/>
           <a:p>
-            <a:r>
-              <a:rPr lang="en-US" dirty="0" smtClean="0"/>
-              <a:t>This slide is a quick introduction to</a:t>
-            </a:r>
-            <a:r>
-              <a:rPr lang="en-US" baseline="0" dirty="0" smtClean="0"/>
-              <a:t> the libraries. Following modules explore these in depth.</a:t>
-            </a:r>
             <a:endParaRPr lang="en-US" dirty="0"/>
           </a:p>
         </p:txBody>
@@ -1319,7 +1299,7 @@
           <a:p>
             <a:fld id="{14FEFE75-68DA-4913-B3E8-A4425B5A08D2}" type="datetime1">
               <a:rPr lang="en-US" smtClean="0"/>
-              <a:t>1/14/2015</a:t>
+              <a:t>1/15/2015</a:t>
             </a:fld>
             <a:endParaRPr lang="en-US"/>
           </a:p>
@@ -1521,15 +1501,7 @@
               <a:tabLst/>
               <a:defRPr/>
             </a:pPr>
-            <a:r>
-              <a:rPr lang="en-US" dirty="0" smtClean="0"/>
-              <a:t>This slide is a quick introduction to</a:t>
-            </a:r>
-            <a:r>
-              <a:rPr lang="en-US" baseline="0" dirty="0" smtClean="0"/>
-              <a:t> the libraries. Following modules explore these in depth.</a:t>
-            </a:r>
-            <a:endParaRPr lang="en-US" dirty="0" smtClean="0"/>
+            <a:endParaRPr lang="en-US" dirty="0"/>
           </a:p>
         </p:txBody>
       </p:sp>
@@ -1550,7 +1522,7 @@
           <a:p>
             <a:fld id="{1389B73A-886E-4158-A147-4A30216E9FF4}" type="datetime1">
               <a:rPr lang="en-US" smtClean="0"/>
-              <a:t>1/14/2015</a:t>
+              <a:t>1/15/2015</a:t>
             </a:fld>
             <a:endParaRPr lang="en-US"/>
           </a:p>
@@ -1735,29 +1707,7 @@
           <a:bodyPr/>
           <a:lstStyle/>
           <a:p>
-            <a:r>
-              <a:rPr lang="en-US" dirty="0" smtClean="0"/>
-              <a:t>The DiscoveryWin8</a:t>
-            </a:r>
-            <a:r>
-              <a:rPr lang="en-US" baseline="0" dirty="0" smtClean="0"/>
-              <a:t> app demonstrates the results of the API steps. The App *does not* use the O365 libraries, rather uses raw calls to the endpoints. This demo is intended to show the underlying functionality rather than hide it behind the library.</a:t>
-            </a:r>
-          </a:p>
-          <a:p>
-            <a:endParaRPr lang="en-US" baseline="0" dirty="0" smtClean="0"/>
-          </a:p>
-          <a:p>
-            <a:r>
-              <a:rPr lang="en-US" baseline="0" dirty="0" smtClean="0"/>
-              <a:t>Original demo is at http://code.msdn.microsoft.com/Office-365-APIs-How-to-use-609102ea </a:t>
-            </a:r>
-          </a:p>
-          <a:p>
-            <a:r>
-              <a:rPr lang="en-US" baseline="0" dirty="0" smtClean="0"/>
-              <a:t>Demo is also in the Completed Projects folder</a:t>
-            </a:r>
+            <a:endParaRPr lang="en-US" dirty="0"/>
           </a:p>
         </p:txBody>
       </p:sp>
@@ -1778,7 +1728,7 @@
           <a:p>
             <a:fld id="{6B8BF90D-BD61-43D7-93E0-6CBEC8B2313A}" type="datetime1">
               <a:rPr lang="en-US" smtClean="0"/>
-              <a:t>1/14/2015</a:t>
+              <a:t>1/15/2015</a:t>
             </a:fld>
             <a:endParaRPr lang="en-US"/>
           </a:p>
@@ -2095,7 +2045,7 @@
           <a:p>
             <a:fld id="{0BB6559B-C68D-49B4-97AE-9BB74C417927}" type="datetime1">
               <a:rPr lang="en-US" smtClean="0"/>
-              <a:t>1/14/2015</a:t>
+              <a:t>1/15/2015</a:t>
             </a:fld>
             <a:endParaRPr lang="en-US"/>
           </a:p>
@@ -25092,6 +25042,13 @@
   <p:transition>
     <p:fade/>
   </p:transition>
+  <p:timing>
+    <p:tnLst>
+      <p:par>
+        <p:cTn id="1" dur="indefinite" restart="never" nodeType="tmRoot"/>
+      </p:par>
+    </p:tnLst>
+  </p:timing>
 </p:sld>
 </file>
 
@@ -25243,6 +25200,13 @@
   <p:transition>
     <p:fade/>
   </p:transition>
+  <p:timing>
+    <p:tnLst>
+      <p:par>
+        <p:cTn id="1" dur="indefinite" restart="never" nodeType="tmRoot"/>
+      </p:par>
+    </p:tnLst>
+  </p:timing>
 </p:sld>
 </file>
 
@@ -25448,6 +25412,13 @@
   <p:transition>
     <p:fade/>
   </p:transition>
+  <p:timing>
+    <p:tnLst>
+      <p:par>
+        <p:cTn id="1" dur="indefinite" restart="never" nodeType="tmRoot"/>
+      </p:par>
+    </p:tnLst>
+  </p:timing>
 </p:sld>
 </file>
 
@@ -25652,6 +25623,13 @@
   <p:transition>
     <p:fade/>
   </p:transition>
+  <p:timing>
+    <p:tnLst>
+      <p:par>
+        <p:cTn id="1" dur="indefinite" restart="never" nodeType="tmRoot"/>
+      </p:par>
+    </p:tnLst>
+  </p:timing>
 </p:sld>
 </file>
 
@@ -27889,6 +27867,15 @@
 </file>
 
 <file path=customXml/item2.xml><?xml version="1.0" encoding="utf-8"?>
+<?mso-contentType ?>
+<FormTemplates xmlns="http://schemas.microsoft.com/sharepoint/v3/contenttype/forms">
+  <Display>DocumentLibraryForm</Display>
+  <Edit>DocumentLibraryForm</Edit>
+  <New>DocumentLibraryForm</New>
+</FormTemplates>
+</file>
+
+<file path=customXml/item3.xml><?xml version="1.0" encoding="utf-8"?>
 <ct:contentTypeSchema xmlns:ct="http://schemas.microsoft.com/office/2006/metadata/contentType" xmlns:ma="http://schemas.microsoft.com/office/2006/metadata/properties/metaAttributes" ct:_="" ma:_="" ma:contentTypeName="Document" ma:contentTypeID="0x010100A2E4C90AA7333249A7DBC8CC6F49919B" ma:contentTypeVersion="1" ma:contentTypeDescription="Create a new document." ma:contentTypeScope="" ma:versionID="e7b09f0f38d7ed30c7da14951e97abcc">
   <xsd:schema xmlns:xsd="http://www.w3.org/2001/XMLSchema" xmlns:xs="http://www.w3.org/2001/XMLSchema" xmlns:p="http://schemas.microsoft.com/office/2006/metadata/properties" xmlns:ns2="5fad15d0-477e-40da-a20d-40d4ca777cbd" targetNamespace="http://schemas.microsoft.com/office/2006/metadata/properties" ma:root="true" ma:fieldsID="0cee24db179c30c5ebec40b677cadf70" ns2:_="">
     <xsd:import namespace="5fad15d0-477e-40da-a20d-40d4ca777cbd"/>
@@ -28028,25 +28015,16 @@
 </ct:contentTypeSchema>
 </file>
 
-<file path=customXml/item3.xml><?xml version="1.0" encoding="utf-8"?>
-<?mso-contentType ?>
-<FormTemplates xmlns="http://schemas.microsoft.com/sharepoint/v3/contenttype/forms">
-  <Display>DocumentLibraryForm</Display>
-  <Edit>DocumentLibraryForm</Edit>
-  <New>DocumentLibraryForm</New>
-</FormTemplates>
-</file>
-
 <file path=customXml/itemProps1.xml><?xml version="1.0" encoding="utf-8"?>
 <ds:datastoreItem xmlns:ds="http://schemas.openxmlformats.org/officeDocument/2006/customXml" ds:itemID="{DA593625-DB14-4FB0-B5A9-3269FA9C120B}">
   <ds:schemaRefs>
+    <ds:schemaRef ds:uri="http://schemas.openxmlformats.org/package/2006/metadata/core-properties"/>
+    <ds:schemaRef ds:uri="http://purl.org/dc/terms/"/>
+    <ds:schemaRef ds:uri="http://schemas.microsoft.com/office/infopath/2007/PartnerControls"/>
+    <ds:schemaRef ds:uri="http://schemas.microsoft.com/office/2006/documentManagement/types"/>
+    <ds:schemaRef ds:uri="http://schemas.microsoft.com/office/2006/metadata/properties"/>
     <ds:schemaRef ds:uri="http://purl.org/dc/elements/1.1/"/>
-    <ds:schemaRef ds:uri="http://schemas.microsoft.com/office/2006/metadata/properties"/>
-    <ds:schemaRef ds:uri="http://purl.org/dc/terms/"/>
-    <ds:schemaRef ds:uri="http://schemas.openxmlformats.org/package/2006/metadata/core-properties"/>
     <ds:schemaRef ds:uri="5fad15d0-477e-40da-a20d-40d4ca777cbd"/>
-    <ds:schemaRef ds:uri="http://schemas.microsoft.com/office/2006/documentManagement/types"/>
-    <ds:schemaRef ds:uri="http://schemas.microsoft.com/office/infopath/2007/PartnerControls"/>
     <ds:schemaRef ds:uri="http://www.w3.org/XML/1998/namespace"/>
     <ds:schemaRef ds:uri="http://purl.org/dc/dcmitype/"/>
   </ds:schemaRefs>
@@ -28054,6 +28032,14 @@
 </file>
 
 <file path=customXml/itemProps2.xml><?xml version="1.0" encoding="utf-8"?>
+<ds:datastoreItem xmlns:ds="http://schemas.openxmlformats.org/officeDocument/2006/customXml" ds:itemID="{E1E0CE18-CA03-4891-9CD8-3448778E3D53}">
+  <ds:schemaRefs>
+    <ds:schemaRef ds:uri="http://schemas.microsoft.com/sharepoint/v3/contenttype/forms"/>
+  </ds:schemaRefs>
+</ds:datastoreItem>
+</file>
+
+<file path=customXml/itemProps3.xml><?xml version="1.0" encoding="utf-8"?>
 <ds:datastoreItem xmlns:ds="http://schemas.openxmlformats.org/officeDocument/2006/customXml" ds:itemID="{F17DCE38-6787-497B-B958-75817420EB1E}">
   <ds:schemaRefs>
     <ds:schemaRef ds:uri="http://schemas.microsoft.com/office/2006/metadata/contentType"/>
@@ -28069,12 +28055,4 @@
     <ds:schemaRef ds:uri="http://schemas.microsoft.com/internal/obd"/>
   </ds:schemaRefs>
 </ds:datastoreItem>
-</file>
-
-<file path=customXml/itemProps3.xml><?xml version="1.0" encoding="utf-8"?>
-<ds:datastoreItem xmlns:ds="http://schemas.openxmlformats.org/officeDocument/2006/customXml" ds:itemID="{E1E0CE18-CA03-4891-9CD8-3448778E3D53}">
-  <ds:schemaRefs>
-    <ds:schemaRef ds:uri="http://schemas.microsoft.com/sharepoint/v3/contenttype/forms"/>
-  </ds:schemaRefs>
-</ds:datastoreItem>
 </file>